--- a/SLIDES/Enumerables.pptx
+++ b/SLIDES/Enumerables.pptx
@@ -213,7 +213,7 @@
             <a:fld id="{714AF994-3454-E142-B989-A9AF4A082C82}" type="datetimeFigureOut">
               <a:rPr lang="en-US"/>
               <a:pPr/>
-              <a:t>8/4/10</a:t>
+              <a:t>9/21/10</a:t>
             </a:fld>
             <a:endParaRPr lang="en-US"/>
           </a:p>
@@ -375,7 +375,7 @@
             <a:fld id="{BA6328DB-6CEE-2B41-AA12-424D2750833B}" type="datetimeFigureOut">
               <a:rPr lang="en-US"/>
               <a:pPr/>
-              <a:t>8/4/10</a:t>
+              <a:t>9/21/10</a:t>
             </a:fld>
             <a:endParaRPr lang="en-US" dirty="0"/>
           </a:p>
@@ -1004,7 +1004,7 @@
             <a:fld id="{661753C5-BC09-114C-A248-009FFB5E6F13}" type="datetimeFigureOut">
               <a:rPr lang="en-US"/>
               <a:pPr/>
-              <a:t>8/4/10</a:t>
+              <a:t>9/21/10</a:t>
             </a:fld>
             <a:endParaRPr lang="en-US" dirty="0"/>
           </a:p>
@@ -1361,7 +1361,7 @@
             <a:fld id="{661753C5-BC09-114C-A248-009FFB5E6F13}" type="datetimeFigureOut">
               <a:rPr lang="en-US"/>
               <a:pPr/>
-              <a:t>8/4/10</a:t>
+              <a:t>9/21/10</a:t>
             </a:fld>
             <a:endParaRPr lang="en-US" dirty="0"/>
           </a:p>
@@ -1537,7 +1537,7 @@
             <a:fld id="{661753C5-BC09-114C-A248-009FFB5E6F13}" type="datetimeFigureOut">
               <a:rPr lang="en-US"/>
               <a:pPr/>
-              <a:t>8/4/10</a:t>
+              <a:t>9/21/10</a:t>
             </a:fld>
             <a:endParaRPr lang="en-US" dirty="0"/>
           </a:p>
@@ -1651,7 +1651,7 @@
             <a:fld id="{661753C5-BC09-114C-A248-009FFB5E6F13}" type="datetimeFigureOut">
               <a:rPr lang="en-US"/>
               <a:pPr/>
-              <a:t>8/4/10</a:t>
+              <a:t>9/21/10</a:t>
             </a:fld>
             <a:endParaRPr lang="en-US" dirty="0"/>
           </a:p>
@@ -2005,7 +2005,7 @@
             <a:fld id="{661753C5-BC09-114C-A248-009FFB5E6F13}" type="datetimeFigureOut">
               <a:rPr lang="en-US"/>
               <a:pPr/>
-              <a:t>8/4/10</a:t>
+              <a:t>9/21/10</a:t>
             </a:fld>
             <a:endParaRPr lang="en-US" dirty="0"/>
           </a:p>
@@ -2271,7 +2271,7 @@
             <a:fld id="{661753C5-BC09-114C-A248-009FFB5E6F13}" type="datetimeFigureOut">
               <a:rPr lang="en-US"/>
               <a:pPr/>
-              <a:t>8/4/10</a:t>
+              <a:t>9/21/10</a:t>
             </a:fld>
             <a:endParaRPr lang="en-US" dirty="0"/>
           </a:p>
@@ -2634,7 +2634,7 @@
             <a:fld id="{661753C5-BC09-114C-A248-009FFB5E6F13}" type="datetimeFigureOut">
               <a:rPr lang="en-US"/>
               <a:pPr/>
-              <a:t>8/4/10</a:t>
+              <a:t>9/21/10</a:t>
             </a:fld>
             <a:endParaRPr lang="en-US" dirty="0"/>
           </a:p>
@@ -2862,7 +2862,7 @@
             <a:fld id="{661753C5-BC09-114C-A248-009FFB5E6F13}" type="datetimeFigureOut">
               <a:rPr lang="en-US"/>
               <a:pPr/>
-              <a:t>8/4/10</a:t>
+              <a:t>9/21/10</a:t>
             </a:fld>
             <a:endParaRPr lang="en-US" dirty="0"/>
           </a:p>
@@ -2954,7 +2954,7 @@
             <a:fld id="{661753C5-BC09-114C-A248-009FFB5E6F13}" type="datetimeFigureOut">
               <a:rPr lang="en-US"/>
               <a:pPr/>
-              <a:t>8/4/10</a:t>
+              <a:t>9/21/10</a:t>
             </a:fld>
             <a:endParaRPr lang="en-US" dirty="0"/>
           </a:p>
@@ -3222,7 +3222,7 @@
             <a:fld id="{661753C5-BC09-114C-A248-009FFB5E6F13}" type="datetimeFigureOut">
               <a:rPr lang="en-US"/>
               <a:pPr/>
-              <a:t>8/4/10</a:t>
+              <a:t>9/21/10</a:t>
             </a:fld>
             <a:endParaRPr lang="en-US" dirty="0"/>
           </a:p>
@@ -3451,7 +3451,7 @@
             <a:fld id="{661753C5-BC09-114C-A248-009FFB5E6F13}" type="datetimeFigureOut">
               <a:rPr lang="en-US"/>
               <a:pPr/>
-              <a:t>8/4/10</a:t>
+              <a:t>9/21/10</a:t>
             </a:fld>
             <a:endParaRPr lang="en-US" dirty="0"/>
           </a:p>
@@ -3951,7 +3951,7 @@
             <a:fld id="{661753C5-BC09-114C-A248-009FFB5E6F13}" type="datetimeFigureOut">
               <a:rPr lang="en-US"/>
               <a:pPr/>
-              <a:t>8/4/10</a:t>
+              <a:t>9/21/10</a:t>
             </a:fld>
             <a:endParaRPr lang="en-US" dirty="0"/>
           </a:p>
